--- a/powerpoint/Session2.pptx
+++ b/powerpoint/Session2.pptx
@@ -11997,7 +11997,7 @@
                 <a:latin typeface="Calibri"/>
                 <a:ea typeface="DejaVu Sans"/>
               </a:rPr>
-              <a:t>Hilary 2023</a:t>
+              <a:t>Trinity 2023</a:t>
             </a:r>
             <a:endParaRPr lang="en-GB" sz="3200" b="0" strike="noStrike" spc="-1" dirty="0">
               <a:latin typeface="Arial"/>
